--- a/Documents/Presentation/2021-09-15-Presentation.pptx
+++ b/Documents/Presentation/2021-09-15-Presentation.pptx
@@ -6418,7 +6418,7 @@
         </p:blipFill>
         <p:spPr bwMode="auto">
           <a:xfrm>
-            <a:off x="1787834" y="3082538"/>
+            <a:off x="1097280" y="3082536"/>
             <a:ext cx="2686050" cy="1704975"/>
           </a:xfrm>
           <a:prstGeom prst="rect">
@@ -6465,7 +6465,7 @@
         </p:blipFill>
         <p:spPr bwMode="auto">
           <a:xfrm>
-            <a:off x="6807693" y="3253989"/>
+            <a:off x="4588275" y="3253985"/>
             <a:ext cx="3352800" cy="1362075"/>
           </a:xfrm>
           <a:prstGeom prst="rect">
@@ -6481,6 +6481,36 @@
               </a14:hiddenFill>
             </a:ext>
           </a:extLst>
+        </p:spPr>
+      </p:pic>
+      <p:pic>
+        <p:nvPicPr>
+          <p:cNvPr id="4" name="그림 3">
+            <a:extLst>
+              <a:ext uri="{FF2B5EF4-FFF2-40B4-BE49-F238E27FC236}">
+                <a16:creationId xmlns:a16="http://schemas.microsoft.com/office/drawing/2014/main" id="{5879AC30-3C7C-4FA5-8E8A-19E9E1FB687A}"/>
+              </a:ext>
+            </a:extLst>
+          </p:cNvPr>
+          <p:cNvPicPr>
+            <a:picLocks noChangeAspect="1"/>
+          </p:cNvPicPr>
+          <p:nvPr/>
+        </p:nvPicPr>
+        <p:blipFill>
+          <a:blip r:embed="rId5"/>
+          <a:stretch>
+            <a:fillRect/>
+          </a:stretch>
+        </p:blipFill>
+        <p:spPr>
+          <a:xfrm>
+            <a:off x="9085104" y="2311231"/>
+            <a:ext cx="1718172" cy="3641977"/>
+          </a:xfrm>
+          <a:prstGeom prst="rect">
+            <a:avLst/>
+          </a:prstGeom>
         </p:spPr>
       </p:pic>
     </p:spTree>
